--- a/Active Paper Figs Schemes/2021-07-21-Figure 01_in vivo efficacy.pptx
+++ b/Active Paper Figs Schemes/2021-07-21-Figure 01_in vivo efficacy.pptx
@@ -115,6 +115,51 @@
 </p:presentation>
 </file>
 
+<file path=ppt/revisionInfo.xml><?xml version="1.0" encoding="utf-8"?>
+<p1510:revInfo xmlns:a="http://schemas.openxmlformats.org/drawingml/2006/main" xmlns:r="http://schemas.openxmlformats.org/officeDocument/2006/relationships" xmlns:p1510="http://schemas.microsoft.com/office/powerpoint/2015/10/main">
+  <p1510:revLst>
+    <p1510:client id="{CEC4755A-B664-1E40-B5B6-F2A16D8247C3}" v="1" dt="2021-07-25T13:04:30.835"/>
+  </p1510:revLst>
+</p1510:revInfo>
+</file>
+
+<file path=ppt/changesInfos/changesInfo1.xml><?xml version="1.0" encoding="utf-8"?>
+<pc:chgInfo xmlns:a="http://schemas.openxmlformats.org/drawingml/2006/main" xmlns:r="http://schemas.openxmlformats.org/officeDocument/2006/relationships" xmlns:ac="http://schemas.microsoft.com/office/drawing/2013/main/command" xmlns:pc="http://schemas.microsoft.com/office/powerpoint/2013/main/command">
+  <pc:docChgLst>
+    <pc:chgData name="Smith, Chase" userId="acbd0563-d1ef-4400-bc73-e2025cf1c29f" providerId="ADAL" clId="{CEC4755A-B664-1E40-B5B6-F2A16D8247C3}"/>
+    <pc:docChg chg="custSel modSld">
+      <pc:chgData name="Smith, Chase" userId="acbd0563-d1ef-4400-bc73-e2025cf1c29f" providerId="ADAL" clId="{CEC4755A-B664-1E40-B5B6-F2A16D8247C3}" dt="2021-07-25T13:04:49.451" v="5" actId="1076"/>
+      <pc:docMkLst>
+        <pc:docMk/>
+      </pc:docMkLst>
+      <pc:sldChg chg="addSp delSp modSp mod">
+        <pc:chgData name="Smith, Chase" userId="acbd0563-d1ef-4400-bc73-e2025cf1c29f" providerId="ADAL" clId="{CEC4755A-B664-1E40-B5B6-F2A16D8247C3}" dt="2021-07-25T13:04:49.451" v="5" actId="1076"/>
+        <pc:sldMkLst>
+          <pc:docMk/>
+          <pc:sldMk cId="2496277537" sldId="256"/>
+        </pc:sldMkLst>
+        <pc:graphicFrameChg chg="del">
+          <ac:chgData name="Smith, Chase" userId="acbd0563-d1ef-4400-bc73-e2025cf1c29f" providerId="ADAL" clId="{CEC4755A-B664-1E40-B5B6-F2A16D8247C3}" dt="2021-07-25T13:04:42.375" v="4" actId="478"/>
+          <ac:graphicFrameMkLst>
+            <pc:docMk/>
+            <pc:sldMk cId="2496277537" sldId="256"/>
+            <ac:graphicFrameMk id="2" creationId="{00000000-0000-0000-0000-000000000000}"/>
+          </ac:graphicFrameMkLst>
+        </pc:graphicFrameChg>
+        <pc:picChg chg="add mod">
+          <ac:chgData name="Smith, Chase" userId="acbd0563-d1ef-4400-bc73-e2025cf1c29f" providerId="ADAL" clId="{CEC4755A-B664-1E40-B5B6-F2A16D8247C3}" dt="2021-07-25T13:04:49.451" v="5" actId="1076"/>
+          <ac:picMkLst>
+            <pc:docMk/>
+            <pc:sldMk cId="2496277537" sldId="256"/>
+            <ac:picMk id="5" creationId="{19C46DF2-D708-7F49-9E3F-51A3C1FEE88D}"/>
+          </ac:picMkLst>
+        </pc:picChg>
+      </pc:sldChg>
+    </pc:docChg>
+  </pc:docChgLst>
+</pc:chgInfo>
+</file>
+
 <file path=ppt/slideLayouts/slideLayout1.xml><?xml version="1.0" encoding="utf-8"?>
 <p:sldLayout xmlns:a="http://schemas.openxmlformats.org/drawingml/2006/main" xmlns:r="http://schemas.openxmlformats.org/officeDocument/2006/relationships" xmlns:p="http://schemas.openxmlformats.org/presentationml/2006/main" type="title" preserve="1">
   <p:cSld name="Title Slide">
@@ -246,7 +291,7 @@
           <a:p>
             <a:fld id="{2D85E8BA-DC60-4B90-B41C-2E99493F9ADA}" type="datetimeFigureOut">
               <a:rPr lang="en-US" smtClean="0"/>
-              <a:t>7/21/2021</a:t>
+              <a:t>7/25/21</a:t>
             </a:fld>
             <a:endParaRPr lang="en-US"/>
           </a:p>
@@ -416,7 +461,7 @@
           <a:p>
             <a:fld id="{2D85E8BA-DC60-4B90-B41C-2E99493F9ADA}" type="datetimeFigureOut">
               <a:rPr lang="en-US" smtClean="0"/>
-              <a:t>7/21/2021</a:t>
+              <a:t>7/25/21</a:t>
             </a:fld>
             <a:endParaRPr lang="en-US"/>
           </a:p>
@@ -596,7 +641,7 @@
           <a:p>
             <a:fld id="{2D85E8BA-DC60-4B90-B41C-2E99493F9ADA}" type="datetimeFigureOut">
               <a:rPr lang="en-US" smtClean="0"/>
-              <a:t>7/21/2021</a:t>
+              <a:t>7/25/21</a:t>
             </a:fld>
             <a:endParaRPr lang="en-US"/>
           </a:p>
@@ -766,7 +811,7 @@
           <a:p>
             <a:fld id="{2D85E8BA-DC60-4B90-B41C-2E99493F9ADA}" type="datetimeFigureOut">
               <a:rPr lang="en-US" smtClean="0"/>
-              <a:t>7/21/2021</a:t>
+              <a:t>7/25/21</a:t>
             </a:fld>
             <a:endParaRPr lang="en-US"/>
           </a:p>
@@ -1010,7 +1055,7 @@
           <a:p>
             <a:fld id="{2D85E8BA-DC60-4B90-B41C-2E99493F9ADA}" type="datetimeFigureOut">
               <a:rPr lang="en-US" smtClean="0"/>
-              <a:t>7/21/2021</a:t>
+              <a:t>7/25/21</a:t>
             </a:fld>
             <a:endParaRPr lang="en-US"/>
           </a:p>
@@ -1242,7 +1287,7 @@
           <a:p>
             <a:fld id="{2D85E8BA-DC60-4B90-B41C-2E99493F9ADA}" type="datetimeFigureOut">
               <a:rPr lang="en-US" smtClean="0"/>
-              <a:t>7/21/2021</a:t>
+              <a:t>7/25/21</a:t>
             </a:fld>
             <a:endParaRPr lang="en-US"/>
           </a:p>
@@ -1609,7 +1654,7 @@
           <a:p>
             <a:fld id="{2D85E8BA-DC60-4B90-B41C-2E99493F9ADA}" type="datetimeFigureOut">
               <a:rPr lang="en-US" smtClean="0"/>
-              <a:t>7/21/2021</a:t>
+              <a:t>7/25/21</a:t>
             </a:fld>
             <a:endParaRPr lang="en-US"/>
           </a:p>
@@ -1727,7 +1772,7 @@
           <a:p>
             <a:fld id="{2D85E8BA-DC60-4B90-B41C-2E99493F9ADA}" type="datetimeFigureOut">
               <a:rPr lang="en-US" smtClean="0"/>
-              <a:t>7/21/2021</a:t>
+              <a:t>7/25/21</a:t>
             </a:fld>
             <a:endParaRPr lang="en-US"/>
           </a:p>
@@ -1822,7 +1867,7 @@
           <a:p>
             <a:fld id="{2D85E8BA-DC60-4B90-B41C-2E99493F9ADA}" type="datetimeFigureOut">
               <a:rPr lang="en-US" smtClean="0"/>
-              <a:t>7/21/2021</a:t>
+              <a:t>7/25/21</a:t>
             </a:fld>
             <a:endParaRPr lang="en-US"/>
           </a:p>
@@ -2099,7 +2144,7 @@
           <a:p>
             <a:fld id="{2D85E8BA-DC60-4B90-B41C-2E99493F9ADA}" type="datetimeFigureOut">
               <a:rPr lang="en-US" smtClean="0"/>
-              <a:t>7/21/2021</a:t>
+              <a:t>7/25/21</a:t>
             </a:fld>
             <a:endParaRPr lang="en-US"/>
           </a:p>
@@ -2356,7 +2401,7 @@
           <a:p>
             <a:fld id="{2D85E8BA-DC60-4B90-B41C-2E99493F9ADA}" type="datetimeFigureOut">
               <a:rPr lang="en-US" smtClean="0"/>
-              <a:t>7/21/2021</a:t>
+              <a:t>7/25/21</a:t>
             </a:fld>
             <a:endParaRPr lang="en-US"/>
           </a:p>
@@ -2569,7 +2614,7 @@
           <a:p>
             <a:fld id="{2D85E8BA-DC60-4B90-B41C-2E99493F9ADA}" type="datetimeFigureOut">
               <a:rPr lang="en-US" smtClean="0"/>
-              <a:t>7/21/2021</a:t>
+              <a:t>7/25/21</a:t>
             </a:fld>
             <a:endParaRPr lang="en-US"/>
           </a:p>
@@ -2989,7 +3034,7 @@
           <p:nvPr/>
         </p:nvPicPr>
         <p:blipFill rotWithShape="1">
-          <a:blip r:embed="rId3">
+          <a:blip r:embed="rId2">
             <a:extLst>
               <a:ext uri="{28A0092B-C50C-407E-A947-70E740481C1C}">
                 <a14:useLocalDpi xmlns:a14="http://schemas.microsoft.com/office/drawing/2010/main" val="0"/>
@@ -3491,63 +3536,36 @@
           </a:p>
         </p:txBody>
       </p:sp>
-      <p:graphicFrame>
-        <p:nvGraphicFramePr>
-          <p:cNvPr id="2" name="Object 1"/>
-          <p:cNvGraphicFramePr>
-            <a:graphicFrameLocks noChangeAspect="1"/>
-          </p:cNvGraphicFramePr>
-          <p:nvPr>
-            <p:extLst>
-              <p:ext uri="{D42A27DB-BD31-4B8C-83A1-F6EECF244321}">
-                <p14:modId xmlns:p14="http://schemas.microsoft.com/office/powerpoint/2010/main" val="1821311742"/>
-              </p:ext>
-            </p:extLst>
-          </p:nvPr>
-        </p:nvGraphicFramePr>
-        <p:xfrm>
-          <a:off x="533963" y="1495870"/>
-          <a:ext cx="2366379" cy="2014000"/>
-        </p:xfrm>
-        <a:graphic>
-          <a:graphicData uri="http://schemas.openxmlformats.org/presentationml/2006/ole">
-            <mc:AlternateContent xmlns:mc="http://schemas.openxmlformats.org/markup-compatibility/2006">
-              <mc:Choice xmlns:v="urn:schemas-microsoft-com:vml" Requires="v">
-                <p:oleObj spid="_x0000_s1026" name="CS ChemDraw Drawing" r:id="rId4" imgW="1526696" imgH="1299355" progId="ChemDraw.Document.6.0">
-                  <p:embed/>
-                </p:oleObj>
-              </mc:Choice>
-              <mc:Fallback>
-                <p:oleObj name="CS ChemDraw Drawing" r:id="rId4" imgW="1526696" imgH="1299355" progId="ChemDraw.Document.6.0">
-                  <p:embed/>
-                  <p:pic>
-                    <p:nvPicPr>
-                      <p:cNvPr id="0" name=""/>
-                      <p:cNvPicPr/>
-                      <p:nvPr/>
-                    </p:nvPicPr>
-                    <p:blipFill>
-                      <a:blip r:embed="rId5"/>
-                      <a:stretch>
-                        <a:fillRect/>
-                      </a:stretch>
-                    </p:blipFill>
-                    <p:spPr>
-                      <a:xfrm>
-                        <a:off x="533963" y="1495870"/>
-                        <a:ext cx="2366379" cy="2014000"/>
-                      </a:xfrm>
-                      <a:prstGeom prst="rect">
-                        <a:avLst/>
-                      </a:prstGeom>
-                    </p:spPr>
-                  </p:pic>
-                </p:oleObj>
-              </mc:Fallback>
-            </mc:AlternateContent>
-          </a:graphicData>
-        </a:graphic>
-      </p:graphicFrame>
+      <p:pic>
+        <p:nvPicPr>
+          <p:cNvPr id="5" name="Picture 4">
+            <a:extLst>
+              <a:ext uri="{FF2B5EF4-FFF2-40B4-BE49-F238E27FC236}">
+                <a16:creationId xmlns:a16="http://schemas.microsoft.com/office/drawing/2014/main" id="{19C46DF2-D708-7F49-9E3F-51A3C1FEE88D}"/>
+              </a:ext>
+            </a:extLst>
+          </p:cNvPr>
+          <p:cNvPicPr>
+            <a:picLocks noChangeAspect="1"/>
+          </p:cNvPicPr>
+          <p:nvPr/>
+        </p:nvPicPr>
+        <p:blipFill>
+          <a:blip r:embed="rId3"/>
+          <a:stretch>
+            <a:fillRect/>
+          </a:stretch>
+        </p:blipFill>
+        <p:spPr>
+          <a:xfrm>
+            <a:off x="702499" y="1495870"/>
+            <a:ext cx="2306120" cy="1979420"/>
+          </a:xfrm>
+          <a:prstGeom prst="rect">
+            <a:avLst/>
+          </a:prstGeom>
+        </p:spPr>
+      </p:pic>
     </p:spTree>
     <p:extLst>
       <p:ext uri="{BB962C8B-B14F-4D97-AF65-F5344CB8AC3E}">
